--- a/Pradeep.pptx
+++ b/Pradeep.pptx
@@ -828,7 +828,7 @@
           <a:graphicData uri="http://schemas.openxmlformats.org/presentationml/2006/ole">
             <mc:AlternateContent xmlns:mc="http://schemas.openxmlformats.org/markup-compatibility/2006">
               <mc:Choice xmlns:v="urn:schemas-microsoft-com:vml" Requires="v">
-                <p:oleObj spid="_x0000_s2062" name="think-cell Slide" r:id="rId6" imgW="360" imgH="360" progId="">
+                <p:oleObj spid="_x0000_s2064" name="think-cell Slide" r:id="rId6" imgW="360" imgH="360" progId="">
                   <p:embed/>
                 </p:oleObj>
               </mc:Choice>
@@ -2263,7 +2263,7 @@
           <a:graphicData uri="http://schemas.openxmlformats.org/presentationml/2006/ole">
             <mc:AlternateContent xmlns:mc="http://schemas.openxmlformats.org/markup-compatibility/2006">
               <mc:Choice xmlns:v="urn:schemas-microsoft-com:vml" Requires="v">
-                <p:oleObj spid="_x0000_s8206" name="think-cell Slide" r:id="rId4" imgW="270" imgH="270" progId="TCLayout.ActiveDocument.1">
+                <p:oleObj spid="_x0000_s8208" name="think-cell Slide" r:id="rId4" imgW="270" imgH="270" progId="TCLayout.ActiveDocument.1">
                   <p:embed/>
                 </p:oleObj>
               </mc:Choice>
@@ -2737,7 +2737,7 @@
           <a:graphicData uri="http://schemas.openxmlformats.org/presentationml/2006/ole">
             <mc:AlternateContent xmlns:mc="http://schemas.openxmlformats.org/markup-compatibility/2006">
               <mc:Choice xmlns:v="urn:schemas-microsoft-com:vml" Requires="v">
-                <p:oleObj spid="_x0000_s9230" name="think-cell Slide" r:id="rId4" imgW="270" imgH="270" progId="TCLayout.ActiveDocument.1">
+                <p:oleObj spid="_x0000_s9232" name="think-cell Slide" r:id="rId4" imgW="270" imgH="270" progId="TCLayout.ActiveDocument.1">
                   <p:embed/>
                 </p:oleObj>
               </mc:Choice>
@@ -2864,7 +2864,7 @@
           <a:graphicData uri="http://schemas.openxmlformats.org/presentationml/2006/ole">
             <mc:AlternateContent xmlns:mc="http://schemas.openxmlformats.org/markup-compatibility/2006">
               <mc:Choice xmlns:v="urn:schemas-microsoft-com:vml" Requires="v">
-                <p:oleObj spid="_x0000_s10254" name="think-cell Slide" r:id="rId4" imgW="270" imgH="270" progId="TCLayout.ActiveDocument.1">
+                <p:oleObj spid="_x0000_s10256" name="think-cell Slide" r:id="rId4" imgW="270" imgH="270" progId="TCLayout.ActiveDocument.1">
                   <p:embed/>
                 </p:oleObj>
               </mc:Choice>
@@ -4398,7 +4398,7 @@
           <a:graphicData uri="http://schemas.openxmlformats.org/presentationml/2006/ole">
             <mc:AlternateContent xmlns:mc="http://schemas.openxmlformats.org/markup-compatibility/2006">
               <mc:Choice xmlns:v="urn:schemas-microsoft-com:vml" Requires="v">
-                <p:oleObj spid="_x0000_s3086" name="think-cell Slide" r:id="rId7" imgW="360" imgH="360" progId="">
+                <p:oleObj spid="_x0000_s3088" name="think-cell Slide" r:id="rId7" imgW="360" imgH="360" progId="">
                   <p:embed/>
                 </p:oleObj>
               </mc:Choice>
@@ -5297,7 +5297,7 @@
           <a:graphicData uri="http://schemas.openxmlformats.org/presentationml/2006/ole">
             <mc:AlternateContent xmlns:mc="http://schemas.openxmlformats.org/markup-compatibility/2006">
               <mc:Choice xmlns:v="urn:schemas-microsoft-com:vml" Requires="v">
-                <p:oleObj spid="_x0000_s16398" name="think-cell Slide" r:id="rId4" imgW="270" imgH="270" progId="TCLayout.ActiveDocument.1">
+                <p:oleObj spid="_x0000_s16400" name="think-cell Slide" r:id="rId4" imgW="270" imgH="270" progId="TCLayout.ActiveDocument.1">
                   <p:embed/>
                 </p:oleObj>
               </mc:Choice>
@@ -5771,7 +5771,7 @@
           <a:graphicData uri="http://schemas.openxmlformats.org/presentationml/2006/ole">
             <mc:AlternateContent xmlns:mc="http://schemas.openxmlformats.org/markup-compatibility/2006">
               <mc:Choice xmlns:v="urn:schemas-microsoft-com:vml" Requires="v">
-                <p:oleObj spid="_x0000_s17422" name="think-cell Slide" r:id="rId4" imgW="270" imgH="270" progId="TCLayout.ActiveDocument.1">
+                <p:oleObj spid="_x0000_s17424" name="think-cell Slide" r:id="rId4" imgW="270" imgH="270" progId="TCLayout.ActiveDocument.1">
                   <p:embed/>
                 </p:oleObj>
               </mc:Choice>
@@ -7686,7 +7686,7 @@
           <a:graphicData uri="http://schemas.openxmlformats.org/presentationml/2006/ole">
             <mc:AlternateContent xmlns:mc="http://schemas.openxmlformats.org/markup-compatibility/2006">
               <mc:Choice xmlns:v="urn:schemas-microsoft-com:vml" Requires="v">
-                <p:oleObj spid="_x0000_s18446" name="think-cell Slide" r:id="rId4" imgW="270" imgH="270" progId="TCLayout.ActiveDocument.1">
+                <p:oleObj spid="_x0000_s18448" name="think-cell Slide" r:id="rId4" imgW="270" imgH="270" progId="TCLayout.ActiveDocument.1">
                   <p:embed/>
                 </p:oleObj>
               </mc:Choice>
@@ -11237,7 +11237,7 @@
           <a:graphicData uri="http://schemas.openxmlformats.org/presentationml/2006/ole">
             <mc:AlternateContent xmlns:mc="http://schemas.openxmlformats.org/markup-compatibility/2006">
               <mc:Choice xmlns:v="urn:schemas-microsoft-com:vml" Requires="v">
-                <p:oleObj spid="_x0000_s4110" name="think-cell Slide" r:id="rId7" imgW="360" imgH="360" progId="">
+                <p:oleObj spid="_x0000_s4112" name="think-cell Slide" r:id="rId7" imgW="360" imgH="360" progId="">
                   <p:embed/>
                 </p:oleObj>
               </mc:Choice>
@@ -11483,7 +11483,7 @@
           <a:graphicData uri="http://schemas.openxmlformats.org/presentationml/2006/ole">
             <mc:AlternateContent xmlns:mc="http://schemas.openxmlformats.org/markup-compatibility/2006">
               <mc:Choice xmlns:v="urn:schemas-microsoft-com:vml" Requires="v">
-                <p:oleObj spid="_x0000_s5134" name="think-cell Slide" r:id="rId9" imgW="360" imgH="360" progId="">
+                <p:oleObj spid="_x0000_s5136" name="think-cell Slide" r:id="rId9" imgW="360" imgH="360" progId="">
                   <p:embed/>
                 </p:oleObj>
               </mc:Choice>
@@ -12674,7 +12674,7 @@
           <a:graphicData uri="http://schemas.openxmlformats.org/presentationml/2006/ole">
             <mc:AlternateContent xmlns:mc="http://schemas.openxmlformats.org/markup-compatibility/2006">
               <mc:Choice xmlns:v="urn:schemas-microsoft-com:vml" Requires="v">
-                <p:oleObj spid="_x0000_s6158" name="think-cell Slide" r:id="rId5" imgW="360" imgH="360" progId="">
+                <p:oleObj spid="_x0000_s6160" name="think-cell Slide" r:id="rId5" imgW="360" imgH="360" progId="">
                   <p:embed/>
                 </p:oleObj>
               </mc:Choice>
@@ -12808,7 +12808,7 @@
           <a:graphicData uri="http://schemas.openxmlformats.org/presentationml/2006/ole">
             <mc:AlternateContent xmlns:mc="http://schemas.openxmlformats.org/markup-compatibility/2006">
               <mc:Choice xmlns:v="urn:schemas-microsoft-com:vml" Requires="v">
-                <p:oleObj spid="_x0000_s7182" name="think-cell Slide" r:id="rId4" imgW="360" imgH="360" progId="">
+                <p:oleObj spid="_x0000_s7184" name="think-cell Slide" r:id="rId4" imgW="360" imgH="360" progId="">
                   <p:embed/>
                 </p:oleObj>
               </mc:Choice>
@@ -13217,7 +13217,7 @@
           <a:graphicData uri="http://schemas.openxmlformats.org/presentationml/2006/ole">
             <mc:AlternateContent xmlns:mc="http://schemas.openxmlformats.org/markup-compatibility/2006">
               <mc:Choice xmlns:v="urn:schemas-microsoft-com:vml" Requires="v">
-                <p:oleObj spid="_x0000_s1038" name="think-cell Slide" r:id="rId25" imgW="360" imgH="360" progId="">
+                <p:oleObj spid="_x0000_s1040" name="think-cell Slide" r:id="rId25" imgW="360" imgH="360" progId="">
                   <p:embed/>
                 </p:oleObj>
               </mc:Choice>
@@ -15954,7 +15954,7 @@
           <a:graphicData uri="http://schemas.openxmlformats.org/presentationml/2006/ole">
             <mc:AlternateContent xmlns:mc="http://schemas.openxmlformats.org/markup-compatibility/2006">
               <mc:Choice xmlns:v="urn:schemas-microsoft-com:vml" Requires="v">
-                <p:oleObj spid="_x0000_s15374" name="think-cell Slide" r:id="rId14" imgW="270" imgH="270" progId="TCLayout.ActiveDocument.1">
+                <p:oleObj spid="_x0000_s15376" name="think-cell Slide" r:id="rId14" imgW="270" imgH="270" progId="TCLayout.ActiveDocument.1">
                   <p:embed/>
                 </p:oleObj>
               </mc:Choice>
@@ -18661,8 +18661,39 @@
                 <a:ea typeface="+mn-ea"/>
                 <a:cs typeface="+mn-cs"/>
               </a:rPr>
-              <a:t>2016 - 202</a:t>
-            </a:r>
+              <a:t>2016 </a:t>
+            </a:r>
+            <a:r>
+              <a:rPr kumimoji="0" lang="en-US" altLang="nl-NL" sz="1100" b="0" i="0" u="none" strike="noStrike" kern="1200" cap="none" spc="0" normalizeH="0" baseline="0" noProof="0">
+                <a:ln>
+                  <a:noFill/>
+                </a:ln>
+                <a:solidFill>
+                  <a:prstClr val="black"/>
+                </a:solidFill>
+                <a:effectLst/>
+                <a:uLnTx/>
+                <a:uFillTx/>
+                <a:latin typeface="Verdana" panose="020B0604030504040204" pitchFamily="34" charset="0"/>
+                <a:ea typeface="+mn-ea"/>
+                <a:cs typeface="+mn-cs"/>
+              </a:rPr>
+              <a:t>- 2020</a:t>
+            </a:r>
+            <a:endParaRPr kumimoji="0" lang="en-US" altLang="nl-NL" sz="1100" b="0" i="0" u="none" strike="noStrike" kern="1200" cap="none" spc="0" normalizeH="0" baseline="0" noProof="0" dirty="0">
+              <a:ln>
+                <a:noFill/>
+              </a:ln>
+              <a:solidFill>
+                <a:prstClr val="black"/>
+              </a:solidFill>
+              <a:effectLst/>
+              <a:uLnTx/>
+              <a:uFillTx/>
+              <a:latin typeface="Verdana" panose="020B0604030504040204" pitchFamily="34" charset="0"/>
+              <a:ea typeface="+mn-ea"/>
+              <a:cs typeface="+mn-cs"/>
+            </a:endParaRPr>
           </a:p>
         </p:txBody>
       </p:sp>
@@ -19910,6 +19941,21 @@
 </file>
 
 <file path=customXml/item1.xml><?xml version="1.0" encoding="utf-8"?>
+<?mso-contentType ?>
+<FormTemplates xmlns="http://schemas.microsoft.com/sharepoint/v3/contenttype/forms">
+  <Display>DocumentLibraryForm</Display>
+  <Edit>DocumentLibraryForm</Edit>
+  <New>DocumentLibraryForm</New>
+</FormTemplates>
+</file>
+
+<file path=customXml/item2.xml><?xml version="1.0" encoding="utf-8"?>
+<p:properties xmlns:p="http://schemas.microsoft.com/office/2006/metadata/properties" xmlns:xsi="http://www.w3.org/2001/XMLSchema-instance" xmlns:pc="http://schemas.microsoft.com/office/infopath/2007/PartnerControls">
+  <documentManagement/>
+</p:properties>
+</file>
+
+<file path=customXml/item3.xml><?xml version="1.0" encoding="utf-8"?>
 <ct:contentTypeSchema xmlns:ct="http://schemas.microsoft.com/office/2006/metadata/contentType" xmlns:ma="http://schemas.microsoft.com/office/2006/metadata/properties/metaAttributes" ct:_="" ma:_="" ma:contentTypeName="Document" ma:contentTypeID="0x010100C33155D503BFC942A57BA969F1C4EED5" ma:contentTypeVersion="13" ma:contentTypeDescription="Create a new document." ma:contentTypeScope="" ma:versionID="c80b1f7ea370ae896a5b6e523a0cf15c">
   <xsd:schema xmlns:xsd="http://www.w3.org/2001/XMLSchema" xmlns:xs="http://www.w3.org/2001/XMLSchema" xmlns:p="http://schemas.microsoft.com/office/2006/metadata/properties" xmlns:ns3="25289c4b-8fd1-4155-b56f-82d6fa13afd3" xmlns:ns4="c43bfbf7-b5f8-4451-8464-ef79a2e28ca1" targetNamespace="http://schemas.microsoft.com/office/2006/metadata/properties" ma:root="true" ma:fieldsID="376fee7e205f44b9967171b065daf661" ns3:_="" ns4:_="">
     <xsd:import namespace="25289c4b-8fd1-4155-b56f-82d6fa13afd3"/>
@@ -20132,36 +20178,10 @@
 </ct:contentTypeSchema>
 </file>
 
-<file path=customXml/item2.xml><?xml version="1.0" encoding="utf-8"?>
-<p:properties xmlns:p="http://schemas.microsoft.com/office/2006/metadata/properties" xmlns:xsi="http://www.w3.org/2001/XMLSchema-instance" xmlns:pc="http://schemas.microsoft.com/office/infopath/2007/PartnerControls">
-  <documentManagement/>
-</p:properties>
-</file>
-
-<file path=customXml/item3.xml><?xml version="1.0" encoding="utf-8"?>
-<?mso-contentType ?>
-<FormTemplates xmlns="http://schemas.microsoft.com/sharepoint/v3/contenttype/forms">
-  <Display>DocumentLibraryForm</Display>
-  <Edit>DocumentLibraryForm</Edit>
-  <New>DocumentLibraryForm</New>
-</FormTemplates>
-</file>
-
 <file path=customXml/itemProps1.xml><?xml version="1.0" encoding="utf-8"?>
-<ds:datastoreItem xmlns:ds="http://schemas.openxmlformats.org/officeDocument/2006/customXml" ds:itemID="{E53A1F87-ED7F-4CA8-8D06-B3888A424EC9}">
+<ds:datastoreItem xmlns:ds="http://schemas.openxmlformats.org/officeDocument/2006/customXml" ds:itemID="{C79773B3-BEED-4422-883D-E6632C7C7120}">
   <ds:schemaRefs>
-    <ds:schemaRef ds:uri="http://schemas.microsoft.com/office/2006/metadata/contentType"/>
-    <ds:schemaRef ds:uri="http://schemas.microsoft.com/office/2006/metadata/properties/metaAttributes"/>
-    <ds:schemaRef ds:uri="http://www.w3.org/2001/XMLSchema"/>
-    <ds:schemaRef ds:uri="http://schemas.microsoft.com/office/2006/metadata/properties"/>
-    <ds:schemaRef ds:uri="25289c4b-8fd1-4155-b56f-82d6fa13afd3"/>
-    <ds:schemaRef ds:uri="c43bfbf7-b5f8-4451-8464-ef79a2e28ca1"/>
-    <ds:schemaRef ds:uri="http://schemas.microsoft.com/office/2006/documentManagement/types"/>
-    <ds:schemaRef ds:uri="http://schemas.microsoft.com/office/infopath/2007/PartnerControls"/>
-    <ds:schemaRef ds:uri="http://schemas.openxmlformats.org/package/2006/metadata/core-properties"/>
-    <ds:schemaRef ds:uri="http://purl.org/dc/elements/1.1/"/>
-    <ds:schemaRef ds:uri="http://purl.org/dc/terms/"/>
-    <ds:schemaRef ds:uri="http://schemas.microsoft.com/internal/obd"/>
+    <ds:schemaRef ds:uri="http://schemas.microsoft.com/sharepoint/v3/contenttype/forms"/>
   </ds:schemaRefs>
 </ds:datastoreItem>
 </file>
@@ -20184,9 +20204,20 @@
 </file>
 
 <file path=customXml/itemProps3.xml><?xml version="1.0" encoding="utf-8"?>
-<ds:datastoreItem xmlns:ds="http://schemas.openxmlformats.org/officeDocument/2006/customXml" ds:itemID="{C79773B3-BEED-4422-883D-E6632C7C7120}">
+<ds:datastoreItem xmlns:ds="http://schemas.openxmlformats.org/officeDocument/2006/customXml" ds:itemID="{E53A1F87-ED7F-4CA8-8D06-B3888A424EC9}">
   <ds:schemaRefs>
-    <ds:schemaRef ds:uri="http://schemas.microsoft.com/sharepoint/v3/contenttype/forms"/>
+    <ds:schemaRef ds:uri="http://schemas.microsoft.com/office/2006/metadata/contentType"/>
+    <ds:schemaRef ds:uri="http://schemas.microsoft.com/office/2006/metadata/properties/metaAttributes"/>
+    <ds:schemaRef ds:uri="http://www.w3.org/2001/XMLSchema"/>
+    <ds:schemaRef ds:uri="http://schemas.microsoft.com/office/2006/metadata/properties"/>
+    <ds:schemaRef ds:uri="25289c4b-8fd1-4155-b56f-82d6fa13afd3"/>
+    <ds:schemaRef ds:uri="c43bfbf7-b5f8-4451-8464-ef79a2e28ca1"/>
+    <ds:schemaRef ds:uri="http://schemas.microsoft.com/office/2006/documentManagement/types"/>
+    <ds:schemaRef ds:uri="http://schemas.microsoft.com/office/infopath/2007/PartnerControls"/>
+    <ds:schemaRef ds:uri="http://schemas.openxmlformats.org/package/2006/metadata/core-properties"/>
+    <ds:schemaRef ds:uri="http://purl.org/dc/elements/1.1/"/>
+    <ds:schemaRef ds:uri="http://purl.org/dc/terms/"/>
+    <ds:schemaRef ds:uri="http://schemas.microsoft.com/internal/obd"/>
   </ds:schemaRefs>
 </ds:datastoreItem>
 </file>